--- a/ppts/Final Review.pptx
+++ b/ppts/Final Review.pptx
@@ -260,7 +260,7 @@
             <a:fld id="{44289A0A-592F-4579-AE78-0E63EB14E26A}" type="datetimeFigureOut">
               <a:rPr lang="en-IN" smtClean="0"/>
               <a:pPr/>
-              <a:t>13-05-2025</a:t>
+              <a:t>22-05-2025</a:t>
             </a:fld>
             <a:endParaRPr lang="en-IN" dirty="0"/>
           </a:p>
@@ -764,7 +764,7 @@
             <a:fld id="{87258022-64EF-452F-8D36-0822664E8985}" type="datetime1">
               <a:rPr lang="en-IN" smtClean="0"/>
               <a:pPr/>
-              <a:t>13-05-2025</a:t>
+              <a:t>22-05-2025</a:t>
             </a:fld>
             <a:endParaRPr lang="en-IN" dirty="0"/>
           </a:p>
@@ -969,7 +969,7 @@
             <a:fld id="{56912B54-1760-41F2-8318-530517A222A4}" type="datetime1">
               <a:rPr lang="en-IN" smtClean="0"/>
               <a:pPr/>
-              <a:t>13-05-2025</a:t>
+              <a:t>22-05-2025</a:t>
             </a:fld>
             <a:endParaRPr lang="en-IN" dirty="0"/>
           </a:p>
@@ -1184,7 +1184,7 @@
             <a:fld id="{8E1F4FCE-2F2D-4C01-ACCD-36BE74E81988}" type="datetime1">
               <a:rPr lang="en-IN" smtClean="0"/>
               <a:pPr/>
-              <a:t>13-05-2025</a:t>
+              <a:t>22-05-2025</a:t>
             </a:fld>
             <a:endParaRPr lang="en-IN" dirty="0"/>
           </a:p>
@@ -1389,7 +1389,7 @@
             <a:fld id="{2CC9E186-6116-4DA0-9085-C1235117DB6B}" type="datetime1">
               <a:rPr lang="en-IN" smtClean="0"/>
               <a:pPr/>
-              <a:t>13-05-2025</a:t>
+              <a:t>22-05-2025</a:t>
             </a:fld>
             <a:endParaRPr lang="en-IN" dirty="0"/>
           </a:p>
@@ -1670,7 +1670,7 @@
             <a:fld id="{B2E76FE1-C54F-4FDD-A6FB-58FD7630B3D2}" type="datetime1">
               <a:rPr lang="en-IN" smtClean="0"/>
               <a:pPr/>
-              <a:t>13-05-2025</a:t>
+              <a:t>22-05-2025</a:t>
             </a:fld>
             <a:endParaRPr lang="en-IN" dirty="0"/>
           </a:p>
@@ -1943,7 +1943,7 @@
             <a:fld id="{BE77A854-7F67-4017-9F1B-EDC8264659C5}" type="datetime1">
               <a:rPr lang="en-IN" smtClean="0"/>
               <a:pPr/>
-              <a:t>13-05-2025</a:t>
+              <a:t>22-05-2025</a:t>
             </a:fld>
             <a:endParaRPr lang="en-IN" dirty="0"/>
           </a:p>
@@ -2363,7 +2363,7 @@
             <a:fld id="{D2121448-6933-4BB0-B792-C1E582F9D1FA}" type="datetime1">
               <a:rPr lang="en-IN" smtClean="0"/>
               <a:pPr/>
-              <a:t>13-05-2025</a:t>
+              <a:t>22-05-2025</a:t>
             </a:fld>
             <a:endParaRPr lang="en-IN" dirty="0"/>
           </a:p>
@@ -2510,7 +2510,7 @@
             <a:fld id="{15C10BDD-C7BF-4BEB-8E7F-F79F7321F5B8}" type="datetime1">
               <a:rPr lang="en-IN" smtClean="0"/>
               <a:pPr/>
-              <a:t>13-05-2025</a:t>
+              <a:t>22-05-2025</a:t>
             </a:fld>
             <a:endParaRPr lang="en-IN" dirty="0"/>
           </a:p>
@@ -2628,7 +2628,7 @@
             <a:fld id="{D77E40BC-515D-4E09-A178-D303E1A3E17B}" type="datetime1">
               <a:rPr lang="en-IN" smtClean="0"/>
               <a:pPr/>
-              <a:t>13-05-2025</a:t>
+              <a:t>22-05-2025</a:t>
             </a:fld>
             <a:endParaRPr lang="en-IN" dirty="0"/>
           </a:p>
@@ -2946,7 +2946,7 @@
             <a:fld id="{C2AF0C54-21AD-4FB5-9865-70BB251358AA}" type="datetime1">
               <a:rPr lang="en-IN" smtClean="0"/>
               <a:pPr/>
-              <a:t>13-05-2025</a:t>
+              <a:t>22-05-2025</a:t>
             </a:fld>
             <a:endParaRPr lang="en-IN" dirty="0"/>
           </a:p>
@@ -3240,7 +3240,7 @@
             <a:fld id="{5018FA60-D1E1-456E-BA02-2BA934B9F55C}" type="datetime1">
               <a:rPr lang="en-IN" smtClean="0"/>
               <a:pPr/>
-              <a:t>13-05-2025</a:t>
+              <a:t>22-05-2025</a:t>
             </a:fld>
             <a:endParaRPr lang="en-IN" dirty="0"/>
           </a:p>
@@ -3497,7 +3497,7 @@
             <a:fld id="{69451571-2412-45EA-922C-E514E61E09A6}" type="datetime1">
               <a:rPr lang="en-IN" smtClean="0"/>
               <a:pPr/>
-              <a:t>13-05-2025</a:t>
+              <a:t>22-05-2025</a:t>
             </a:fld>
             <a:endParaRPr lang="en-IN" dirty="0"/>
           </a:p>
@@ -7126,7 +7126,7 @@
           <p:nvPr>
             <p:extLst>
               <p:ext uri="{D42A27DB-BD31-4B8C-83A1-F6EECF244321}">
-                <p14:modId xmlns:p14="http://schemas.microsoft.com/office/powerpoint/2010/main" val="1623954109"/>
+                <p14:modId xmlns:p14="http://schemas.microsoft.com/office/powerpoint/2010/main" val="3355187215"/>
               </p:ext>
             </p:extLst>
           </p:nvPr>
@@ -7355,47 +7355,7 @@
                           <a:latin typeface="Times New Roman" panose="02020603050405020304" pitchFamily="18" charset="0"/>
                           <a:cs typeface="Times New Roman" panose="02020603050405020304" pitchFamily="18" charset="0"/>
                         </a:rPr>
-                        <a:t>Python (Pandas, NumPy, </a:t>
-                      </a:r>
-                      <a:r>
-                        <a:rPr lang="en-IN" sz="1800" dirty="0" err="1">
-                          <a:solidFill>
-                            <a:schemeClr val="tx1"/>
-                          </a:solidFill>
-                          <a:latin typeface="Times New Roman" panose="02020603050405020304" pitchFamily="18" charset="0"/>
-                          <a:cs typeface="Times New Roman" panose="02020603050405020304" pitchFamily="18" charset="0"/>
-                        </a:rPr>
-                        <a:t>Sklearn</a:t>
-                      </a:r>
-                      <a:r>
-                        <a:rPr lang="en-IN" sz="1800" dirty="0">
-                          <a:solidFill>
-                            <a:schemeClr val="tx1"/>
-                          </a:solidFill>
-                          <a:latin typeface="Times New Roman" panose="02020603050405020304" pitchFamily="18" charset="0"/>
-                          <a:cs typeface="Times New Roman" panose="02020603050405020304" pitchFamily="18" charset="0"/>
-                        </a:rPr>
-                        <a:t>, TensorFlow/</a:t>
-                      </a:r>
-                      <a:r>
-                        <a:rPr lang="en-IN" sz="1800" dirty="0" err="1">
-                          <a:solidFill>
-                            <a:schemeClr val="tx1"/>
-                          </a:solidFill>
-                          <a:latin typeface="Times New Roman" panose="02020603050405020304" pitchFamily="18" charset="0"/>
-                          <a:cs typeface="Times New Roman" panose="02020603050405020304" pitchFamily="18" charset="0"/>
-                        </a:rPr>
-                        <a:t>PyTorch</a:t>
-                      </a:r>
-                      <a:r>
-                        <a:rPr lang="en-IN" sz="1800" dirty="0">
-                          <a:solidFill>
-                            <a:schemeClr val="tx1"/>
-                          </a:solidFill>
-                          <a:latin typeface="Times New Roman" panose="02020603050405020304" pitchFamily="18" charset="0"/>
-                          <a:cs typeface="Times New Roman" panose="02020603050405020304" pitchFamily="18" charset="0"/>
-                        </a:rPr>
-                        <a:t>)</a:t>
+                        <a:t>Python (Pandas, NumPy)</a:t>
                       </a:r>
                     </a:p>
                   </a:txBody>
@@ -7588,47 +7548,7 @@
                           <a:latin typeface="Times New Roman" panose="02020603050405020304" pitchFamily="18" charset="0"/>
                           <a:cs typeface="Times New Roman" panose="02020603050405020304" pitchFamily="18" charset="0"/>
                         </a:rPr>
-                        <a:t>Scikit-learn, TensorFlow, </a:t>
-                      </a:r>
-                      <a:r>
-                        <a:rPr lang="en-IN" sz="1800" dirty="0" err="1">
-                          <a:solidFill>
-                            <a:schemeClr val="tx1"/>
-                          </a:solidFill>
-                          <a:latin typeface="Times New Roman" panose="02020603050405020304" pitchFamily="18" charset="0"/>
-                          <a:cs typeface="Times New Roman" panose="02020603050405020304" pitchFamily="18" charset="0"/>
-                        </a:rPr>
-                        <a:t>PyTorch</a:t>
-                      </a:r>
-                      <a:r>
-                        <a:rPr lang="en-IN" sz="1800" dirty="0">
-                          <a:solidFill>
-                            <a:schemeClr val="tx1"/>
-                          </a:solidFill>
-                          <a:latin typeface="Times New Roman" panose="02020603050405020304" pitchFamily="18" charset="0"/>
-                          <a:cs typeface="Times New Roman" panose="02020603050405020304" pitchFamily="18" charset="0"/>
-                        </a:rPr>
-                        <a:t>, </a:t>
-                      </a:r>
-                      <a:r>
-                        <a:rPr lang="en-IN" sz="1800" dirty="0" err="1">
-                          <a:solidFill>
-                            <a:schemeClr val="tx1"/>
-                          </a:solidFill>
-                          <a:latin typeface="Times New Roman" panose="02020603050405020304" pitchFamily="18" charset="0"/>
-                          <a:cs typeface="Times New Roman" panose="02020603050405020304" pitchFamily="18" charset="0"/>
-                        </a:rPr>
-                        <a:t>Statsmodels</a:t>
-                      </a:r>
-                      <a:r>
-                        <a:rPr lang="en-IN" sz="1800" dirty="0">
-                          <a:solidFill>
-                            <a:schemeClr val="tx1"/>
-                          </a:solidFill>
-                          <a:latin typeface="Times New Roman" panose="02020603050405020304" pitchFamily="18" charset="0"/>
-                          <a:cs typeface="Times New Roman" panose="02020603050405020304" pitchFamily="18" charset="0"/>
-                        </a:rPr>
-                        <a:t> (for ARIMA)</a:t>
+                        <a:t>Scikit-learn, Statsmodels (for ARIMA)</a:t>
                       </a:r>
                       <a:endParaRPr lang="en-IN" dirty="0">
                         <a:solidFill>
